--- a/Unterlagen/AbschlussPräsentationMitarbeiter.pptx
+++ b/Unterlagen/AbschlussPräsentationMitarbeiter.pptx
@@ -223,7 +223,7 @@
           <a:p>
             <a:fld id="{71D39D47-5B87-4144-A8AF-7BBCA174EEFA}" type="datetimeFigureOut">
               <a:rPr lang="de-DE" smtClean="0"/>
-              <a:t>17.06.2016</a:t>
+              <a:t>20.06.2016</a:t>
             </a:fld>
             <a:endParaRPr lang="de-DE"/>
           </a:p>
@@ -619,7 +619,7 @@
           <a:p>
             <a:fld id="{16AB9556-A9C4-405C-904C-D3F0A0F493D9}" type="datetimeFigureOut">
               <a:rPr lang="de-DE" smtClean="0"/>
-              <a:t>17.06.2016</a:t>
+              <a:t>20.06.2016</a:t>
             </a:fld>
             <a:endParaRPr lang="de-DE"/>
           </a:p>
@@ -787,7 +787,7 @@
           <a:p>
             <a:fld id="{16AB9556-A9C4-405C-904C-D3F0A0F493D9}" type="datetimeFigureOut">
               <a:rPr lang="de-DE" smtClean="0"/>
-              <a:t>17.06.2016</a:t>
+              <a:t>20.06.2016</a:t>
             </a:fld>
             <a:endParaRPr lang="de-DE"/>
           </a:p>
@@ -965,7 +965,7 @@
           <a:p>
             <a:fld id="{16AB9556-A9C4-405C-904C-D3F0A0F493D9}" type="datetimeFigureOut">
               <a:rPr lang="de-DE" smtClean="0"/>
-              <a:t>17.06.2016</a:t>
+              <a:t>20.06.2016</a:t>
             </a:fld>
             <a:endParaRPr lang="de-DE"/>
           </a:p>
@@ -1205,7 +1205,7 @@
           <a:p>
             <a:fld id="{16AB9556-A9C4-405C-904C-D3F0A0F493D9}" type="datetimeFigureOut">
               <a:rPr lang="de-DE" smtClean="0"/>
-              <a:t>17.06.2016</a:t>
+              <a:t>20.06.2016</a:t>
             </a:fld>
             <a:endParaRPr lang="de-DE"/>
           </a:p>
@@ -2436,7 +2436,7 @@
           <a:p>
             <a:fld id="{16AB9556-A9C4-405C-904C-D3F0A0F493D9}" type="datetimeFigureOut">
               <a:rPr lang="de-DE" smtClean="0"/>
-              <a:t>17.06.2016</a:t>
+              <a:t>20.06.2016</a:t>
             </a:fld>
             <a:endParaRPr lang="de-DE"/>
           </a:p>
@@ -2665,7 +2665,7 @@
           <a:p>
             <a:fld id="{16AB9556-A9C4-405C-904C-D3F0A0F493D9}" type="datetimeFigureOut">
               <a:rPr lang="de-DE" smtClean="0"/>
-              <a:t>17.06.2016</a:t>
+              <a:t>20.06.2016</a:t>
             </a:fld>
             <a:endParaRPr lang="de-DE"/>
           </a:p>
@@ -3029,7 +3029,7 @@
           <a:p>
             <a:fld id="{16AB9556-A9C4-405C-904C-D3F0A0F493D9}" type="datetimeFigureOut">
               <a:rPr lang="de-DE" smtClean="0"/>
-              <a:t>17.06.2016</a:t>
+              <a:t>20.06.2016</a:t>
             </a:fld>
             <a:endParaRPr lang="de-DE"/>
           </a:p>
@@ -3146,7 +3146,7 @@
           <a:p>
             <a:fld id="{16AB9556-A9C4-405C-904C-D3F0A0F493D9}" type="datetimeFigureOut">
               <a:rPr lang="de-DE" smtClean="0"/>
-              <a:t>17.06.2016</a:t>
+              <a:t>20.06.2016</a:t>
             </a:fld>
             <a:endParaRPr lang="de-DE"/>
           </a:p>
@@ -3241,7 +3241,7 @@
           <a:p>
             <a:fld id="{16AB9556-A9C4-405C-904C-D3F0A0F493D9}" type="datetimeFigureOut">
               <a:rPr lang="de-DE" smtClean="0"/>
-              <a:t>17.06.2016</a:t>
+              <a:t>20.06.2016</a:t>
             </a:fld>
             <a:endParaRPr lang="de-DE"/>
           </a:p>
@@ -3516,7 +3516,7 @@
           <a:p>
             <a:fld id="{16AB9556-A9C4-405C-904C-D3F0A0F493D9}" type="datetimeFigureOut">
               <a:rPr lang="de-DE" smtClean="0"/>
-              <a:t>17.06.2016</a:t>
+              <a:t>20.06.2016</a:t>
             </a:fld>
             <a:endParaRPr lang="de-DE"/>
           </a:p>
@@ -3768,7 +3768,7 @@
           <a:p>
             <a:fld id="{16AB9556-A9C4-405C-904C-D3F0A0F493D9}" type="datetimeFigureOut">
               <a:rPr lang="de-DE" smtClean="0"/>
-              <a:t>17.06.2016</a:t>
+              <a:t>20.06.2016</a:t>
             </a:fld>
             <a:endParaRPr lang="de-DE"/>
           </a:p>
@@ -3979,7 +3979,7 @@
           <a:p>
             <a:fld id="{16AB9556-A9C4-405C-904C-D3F0A0F493D9}" type="datetimeFigureOut">
               <a:rPr lang="de-DE" smtClean="0"/>
-              <a:t>17.06.2016</a:t>
+              <a:t>20.06.2016</a:t>
             </a:fld>
             <a:endParaRPr lang="de-DE"/>
           </a:p>
@@ -7010,28 +7010,9 @@
               <a:t>MiniGames</a:t>
             </a:r>
             <a:r>
-              <a:rPr lang="de-DE" dirty="0"/>
+              <a:rPr lang="de-DE"/>
               <a:t>-Konzipierung</a:t>
             </a:r>
-          </a:p>
-          <a:p>
-            <a:pPr marL="457200" indent="-457200">
-              <a:buFont typeface="+mj-lt"/>
-              <a:buAutoNum type="arabicPeriod"/>
-            </a:pPr>
-            <a:r>
-              <a:rPr lang="de-DE" i="1" dirty="0"/>
-              <a:t>Risikoliste anzeigen</a:t>
-            </a:r>
-          </a:p>
-          <a:p>
-            <a:pPr lvl="1"/>
-            <a:r>
-              <a:rPr lang="de-DE" i="1" dirty="0"/>
-              <a:t>Was reingeschrieben</a:t>
-            </a:r>
-          </a:p>
-          <a:p>
             <a:endParaRPr lang="de-DE" dirty="0"/>
           </a:p>
         </p:txBody>
@@ -7506,176 +7487,6 @@
                                   </p:childTnLst>
                                 </p:cTn>
                               </p:par>
-                              <p:par>
-                                <p:cTn id="25" presetID="2" presetClass="entr" presetSubtype="2" fill="hold" nodeType="withEffect">
-                                  <p:stCondLst>
-                                    <p:cond delay="0"/>
-                                  </p:stCondLst>
-                                  <p:childTnLst>
-                                    <p:set>
-                                      <p:cBhvr>
-                                        <p:cTn id="26" dur="1" fill="hold">
-                                          <p:stCondLst>
-                                            <p:cond delay="0"/>
-                                          </p:stCondLst>
-                                        </p:cTn>
-                                        <p:tgtEl>
-                                          <p:spTgt spid="3">
-                                            <p:txEl>
-                                              <p:pRg st="5" end="5"/>
-                                            </p:txEl>
-                                          </p:spTgt>
-                                        </p:tgtEl>
-                                        <p:attrNameLst>
-                                          <p:attrName>style.visibility</p:attrName>
-                                        </p:attrNameLst>
-                                      </p:cBhvr>
-                                      <p:to>
-                                        <p:strVal val="visible"/>
-                                      </p:to>
-                                    </p:set>
-                                    <p:anim calcmode="lin" valueType="num">
-                                      <p:cBhvr additive="base">
-                                        <p:cTn id="27" dur="1000" fill="hold"/>
-                                        <p:tgtEl>
-                                          <p:spTgt spid="3">
-                                            <p:txEl>
-                                              <p:pRg st="5" end="5"/>
-                                            </p:txEl>
-                                          </p:spTgt>
-                                        </p:tgtEl>
-                                        <p:attrNameLst>
-                                          <p:attrName>ppt_x</p:attrName>
-                                        </p:attrNameLst>
-                                      </p:cBhvr>
-                                      <p:tavLst>
-                                        <p:tav tm="0">
-                                          <p:val>
-                                            <p:strVal val="1+#ppt_w/2"/>
-                                          </p:val>
-                                        </p:tav>
-                                        <p:tav tm="100000">
-                                          <p:val>
-                                            <p:strVal val="#ppt_x"/>
-                                          </p:val>
-                                        </p:tav>
-                                      </p:tavLst>
-                                    </p:anim>
-                                    <p:anim calcmode="lin" valueType="num">
-                                      <p:cBhvr additive="base">
-                                        <p:cTn id="28" dur="1000" fill="hold"/>
-                                        <p:tgtEl>
-                                          <p:spTgt spid="3">
-                                            <p:txEl>
-                                              <p:pRg st="5" end="5"/>
-                                            </p:txEl>
-                                          </p:spTgt>
-                                        </p:tgtEl>
-                                        <p:attrNameLst>
-                                          <p:attrName>ppt_y</p:attrName>
-                                        </p:attrNameLst>
-                                      </p:cBhvr>
-                                      <p:tavLst>
-                                        <p:tav tm="0">
-                                          <p:val>
-                                            <p:strVal val="#ppt_y"/>
-                                          </p:val>
-                                        </p:tav>
-                                        <p:tav tm="100000">
-                                          <p:val>
-                                            <p:strVal val="#ppt_y"/>
-                                          </p:val>
-                                        </p:tav>
-                                      </p:tavLst>
-                                    </p:anim>
-                                  </p:childTnLst>
-                                </p:cTn>
-                              </p:par>
-                              <p:par>
-                                <p:cTn id="29" presetID="2" presetClass="entr" presetSubtype="2" fill="hold" nodeType="withEffect">
-                                  <p:stCondLst>
-                                    <p:cond delay="0"/>
-                                  </p:stCondLst>
-                                  <p:childTnLst>
-                                    <p:set>
-                                      <p:cBhvr>
-                                        <p:cTn id="30" dur="1" fill="hold">
-                                          <p:stCondLst>
-                                            <p:cond delay="0"/>
-                                          </p:stCondLst>
-                                        </p:cTn>
-                                        <p:tgtEl>
-                                          <p:spTgt spid="3">
-                                            <p:txEl>
-                                              <p:pRg st="6" end="6"/>
-                                            </p:txEl>
-                                          </p:spTgt>
-                                        </p:tgtEl>
-                                        <p:attrNameLst>
-                                          <p:attrName>style.visibility</p:attrName>
-                                        </p:attrNameLst>
-                                      </p:cBhvr>
-                                      <p:to>
-                                        <p:strVal val="visible"/>
-                                      </p:to>
-                                    </p:set>
-                                    <p:anim calcmode="lin" valueType="num">
-                                      <p:cBhvr additive="base">
-                                        <p:cTn id="31" dur="1000" fill="hold"/>
-                                        <p:tgtEl>
-                                          <p:spTgt spid="3">
-                                            <p:txEl>
-                                              <p:pRg st="6" end="6"/>
-                                            </p:txEl>
-                                          </p:spTgt>
-                                        </p:tgtEl>
-                                        <p:attrNameLst>
-                                          <p:attrName>ppt_x</p:attrName>
-                                        </p:attrNameLst>
-                                      </p:cBhvr>
-                                      <p:tavLst>
-                                        <p:tav tm="0">
-                                          <p:val>
-                                            <p:strVal val="1+#ppt_w/2"/>
-                                          </p:val>
-                                        </p:tav>
-                                        <p:tav tm="100000">
-                                          <p:val>
-                                            <p:strVal val="#ppt_x"/>
-                                          </p:val>
-                                        </p:tav>
-                                      </p:tavLst>
-                                    </p:anim>
-                                    <p:anim calcmode="lin" valueType="num">
-                                      <p:cBhvr additive="base">
-                                        <p:cTn id="32" dur="1000" fill="hold"/>
-                                        <p:tgtEl>
-                                          <p:spTgt spid="3">
-                                            <p:txEl>
-                                              <p:pRg st="6" end="6"/>
-                                            </p:txEl>
-                                          </p:spTgt>
-                                        </p:tgtEl>
-                                        <p:attrNameLst>
-                                          <p:attrName>ppt_y</p:attrName>
-                                        </p:attrNameLst>
-                                      </p:cBhvr>
-                                      <p:tavLst>
-                                        <p:tav tm="0">
-                                          <p:val>
-                                            <p:strVal val="#ppt_y"/>
-                                          </p:val>
-                                        </p:tav>
-                                        <p:tav tm="100000">
-                                          <p:val>
-                                            <p:strVal val="#ppt_y"/>
-                                          </p:val>
-                                        </p:tav>
-                                      </p:tavLst>
-                                    </p:anim>
-                                  </p:childTnLst>
-                                </p:cTn>
-                              </p:par>
                             </p:childTnLst>
                           </p:cTn>
                         </p:par>
@@ -7743,9 +7554,10 @@
           <a:lstStyle/>
           <a:p>
             <a:r>
-              <a:rPr lang="de-DE" dirty="0"/>
-              <a:t>Leichtigkeit</a:t>
-            </a:r>
+              <a:rPr lang="de-DE" dirty="0" err="1"/>
+              <a:t>Leichtigkeiten</a:t>
+            </a:r>
+            <a:endParaRPr lang="de-DE" dirty="0"/>
           </a:p>
         </p:txBody>
       </p:sp>
@@ -7773,7 +7585,7 @@
             </a:pPr>
             <a:r>
               <a:rPr lang="de-DE" dirty="0"/>
-              <a:t>Konzeptentwicklung schneller als erwartet</a:t>
+              <a:t>Konzeptentwicklung</a:t>
             </a:r>
           </a:p>
           <a:p>
@@ -7793,7 +7605,7 @@
             </a:pPr>
             <a:r>
               <a:rPr lang="de-DE" dirty="0"/>
-              <a:t>DHBW – Bezug recht schnell gefunden</a:t>
+              <a:t>Finden des DHBW – Bezugs</a:t>
             </a:r>
           </a:p>
           <a:p>
@@ -7803,16 +7615,13 @@
             </a:pPr>
             <a:r>
               <a:rPr lang="de-DE" dirty="0"/>
-              <a:t>Grobes Konzept der </a:t>
+              <a:t>Finden eines groben Konzepts der </a:t>
             </a:r>
             <a:r>
               <a:rPr lang="de-DE" dirty="0" err="1"/>
               <a:t>MiniGames</a:t>
             </a:r>
-            <a:r>
-              <a:rPr lang="de-DE" dirty="0"/>
-              <a:t> stand schnell fest</a:t>
-            </a:r>
+            <a:endParaRPr lang="de-DE" dirty="0"/>
           </a:p>
         </p:txBody>
       </p:sp>
